--- a/5/presentations/wda4.pptx
+++ b/5/presentations/wda4.pptx
@@ -108,6 +108,15 @@
     </a:lvl9pPr>
   </p:defaultTextStyle>
   <p:extLst>
+    <p:ext uri="{521415D9-36F7-43E2-AB2F-B90AF26B5E84}">
+      <p14:sectionLst xmlns:p14="http://schemas.microsoft.com/office/powerpoint/2010/main">
+        <p14:section name="Predvolená sekcia" id="{A646CE3B-521B-4923-AD6F-171294AE31B4}">
+          <p14:sldIdLst>
+            <p14:sldId id="288"/>
+          </p14:sldIdLst>
+        </p14:section>
+      </p14:sectionLst>
+    </p:ext>
     <p:ext uri="{EFAFB233-063F-42B5-8137-9DF3F51BA10A}">
       <p15:sldGuideLst xmlns:p15="http://schemas.microsoft.com/office/powerpoint/2012/main">
         <p15:guide id="1" orient="horz" pos="2448" userDrawn="1">
@@ -129,6 +138,14 @@
     </p:ext>
   </p:extLst>
 </p:presentation>
+</file>
+
+<file path=ppt/revisionInfo.xml><?xml version="1.0" encoding="utf-8"?>
+<p1510:revInfo xmlns:a="http://schemas.openxmlformats.org/drawingml/2006/main" xmlns:r="http://schemas.openxmlformats.org/officeDocument/2006/relationships" xmlns:p1510="http://schemas.microsoft.com/office/powerpoint/2015/10/main">
+  <p1510:revLst>
+    <p1510:client id="{EE8B3955-8B29-4FA7-9DA3-CEA3DDEAC4B8}" v="3" dt="2019-03-18T18:49:43.221"/>
+  </p1510:revLst>
+</p1510:revInfo>
 </file>
 
 <file path=ppt/notesMasters/notesMaster1.xml><?xml version="1.0" encoding="utf-8"?>
@@ -213,7 +230,7 @@
           <a:p>
             <a:fld id="{7D261E44-C4C0-6344-AB31-495F47CEF0BF}" type="datetimeFigureOut">
               <a:rPr lang="sk-SK" smtClean="0"/>
-              <a:t>14. 3. 2019</a:t>
+              <a:t>18. 3. 2019</a:t>
             </a:fld>
             <a:endParaRPr lang="sk-SK"/>
           </a:p>
@@ -612,7 +629,7 @@
           <a:p>
             <a:fld id="{A066C677-8E45-E141-9716-C86D7EE5D9E8}" type="datetime1">
               <a:rPr lang="sk-SK" smtClean="0"/>
-              <a:t>14. 3. 2019</a:t>
+              <a:t>18. 3. 2019</a:t>
             </a:fld>
             <a:endParaRPr lang="en-US"/>
           </a:p>
@@ -782,7 +799,7 @@
           <a:p>
             <a:fld id="{2F1614C0-FE52-F449-9EB9-A0FF9A2543CD}" type="datetime1">
               <a:rPr lang="sk-SK" smtClean="0"/>
-              <a:t>14. 3. 2019</a:t>
+              <a:t>18. 3. 2019</a:t>
             </a:fld>
             <a:endParaRPr lang="en-US"/>
           </a:p>
@@ -962,7 +979,7 @@
           <a:p>
             <a:fld id="{D00EA2FD-E00D-9848-8434-0267DBC70800}" type="datetime1">
               <a:rPr lang="sk-SK" smtClean="0"/>
-              <a:t>14. 3. 2019</a:t>
+              <a:t>18. 3. 2019</a:t>
             </a:fld>
             <a:endParaRPr lang="en-US"/>
           </a:p>
@@ -1132,7 +1149,7 @@
           <a:p>
             <a:fld id="{EA230261-6B22-9D46-9363-FF39813EB6EC}" type="datetime1">
               <a:rPr lang="sk-SK" smtClean="0"/>
-              <a:t>14. 3. 2019</a:t>
+              <a:t>18. 3. 2019</a:t>
             </a:fld>
             <a:endParaRPr lang="en-US"/>
           </a:p>
@@ -1376,7 +1393,7 @@
           <a:p>
             <a:fld id="{59FB9737-2E3E-7648-A62E-672F14D45174}" type="datetime1">
               <a:rPr lang="sk-SK" smtClean="0"/>
-              <a:t>14. 3. 2019</a:t>
+              <a:t>18. 3. 2019</a:t>
             </a:fld>
             <a:endParaRPr lang="en-US"/>
           </a:p>
@@ -1608,7 +1625,7 @@
           <a:p>
             <a:fld id="{CE392BCD-50BB-5C4E-9FA2-1520C47BA1A9}" type="datetime1">
               <a:rPr lang="sk-SK" smtClean="0"/>
-              <a:t>14. 3. 2019</a:t>
+              <a:t>18. 3. 2019</a:t>
             </a:fld>
             <a:endParaRPr lang="en-US"/>
           </a:p>
@@ -1975,7 +1992,7 @@
           <a:p>
             <a:fld id="{47588235-1A3D-8F40-84C0-D3E6FA642448}" type="datetime1">
               <a:rPr lang="sk-SK" smtClean="0"/>
-              <a:t>14. 3. 2019</a:t>
+              <a:t>18. 3. 2019</a:t>
             </a:fld>
             <a:endParaRPr lang="en-US"/>
           </a:p>
@@ -2093,7 +2110,7 @@
           <a:p>
             <a:fld id="{C41B8640-B450-0C4A-9516-6E2711D4D46C}" type="datetime1">
               <a:rPr lang="sk-SK" smtClean="0"/>
-              <a:t>14. 3. 2019</a:t>
+              <a:t>18. 3. 2019</a:t>
             </a:fld>
             <a:endParaRPr lang="en-US"/>
           </a:p>
@@ -2188,7 +2205,7 @@
           <a:p>
             <a:fld id="{6B0C531D-6297-E049-BA84-34FE8FD92947}" type="datetime1">
               <a:rPr lang="sk-SK" smtClean="0"/>
-              <a:t>14. 3. 2019</a:t>
+              <a:t>18. 3. 2019</a:t>
             </a:fld>
             <a:endParaRPr lang="en-US"/>
           </a:p>
@@ -2465,7 +2482,7 @@
           <a:p>
             <a:fld id="{5410C6F4-3FBB-2D4D-B13A-D6953AE0A3AF}" type="datetime1">
               <a:rPr lang="sk-SK" smtClean="0"/>
-              <a:t>14. 3. 2019</a:t>
+              <a:t>18. 3. 2019</a:t>
             </a:fld>
             <a:endParaRPr lang="en-US"/>
           </a:p>
@@ -2722,7 +2739,7 @@
           <a:p>
             <a:fld id="{637C8A6D-C806-FE45-AB4E-63619D22D102}" type="datetime1">
               <a:rPr lang="sk-SK" smtClean="0"/>
-              <a:t>14. 3. 2019</a:t>
+              <a:t>18. 3. 2019</a:t>
             </a:fld>
             <a:endParaRPr lang="en-US"/>
           </a:p>
@@ -2935,7 +2952,7 @@
           <a:p>
             <a:fld id="{5F80EA03-2C13-2441-AAFA-2B3D759DC539}" type="datetime1">
               <a:rPr lang="sk-SK" smtClean="0"/>
-              <a:t>14. 3. 2019</a:t>
+              <a:t>18. 3. 2019</a:t>
             </a:fld>
             <a:endParaRPr lang="en-US"/>
           </a:p>
@@ -3521,14 +3538,14 @@
           <p:nvPr>
             <p:extLst>
               <p:ext uri="{D42A27DB-BD31-4B8C-83A1-F6EECF244321}">
-                <p14:modId xmlns:p14="http://schemas.microsoft.com/office/powerpoint/2010/main" val="3346184824"/>
+                <p14:modId xmlns:p14="http://schemas.microsoft.com/office/powerpoint/2010/main" val="210337889"/>
               </p:ext>
             </p:extLst>
           </p:nvPr>
         </p:nvGraphicFramePr>
         <p:xfrm>
-          <a:off x="450019" y="1891201"/>
-          <a:ext cx="9310976" cy="5312664"/>
+          <a:off x="450019" y="1417949"/>
+          <a:ext cx="9310976" cy="6691172"/>
         </p:xfrm>
         <a:graphic>
           <a:graphicData uri="http://schemas.openxmlformats.org/drawingml/2006/table">
@@ -3552,7 +3569,7 @@
                   </a:extLst>
                 </a:gridCol>
               </a:tblGrid>
-              <a:tr h="370840">
+              <a:tr h="3670305">
                 <a:tc>
                   <a:txBody>
                     <a:bodyPr/>
@@ -3562,6 +3579,23 @@
                         <a:rPr lang="sk-SK" b="1" dirty="0"/>
                         <a:t>Zoznamy</a:t>
                       </a:r>
+                      <a:r>
+                        <a:rPr lang="en-GB" b="1" dirty="0"/>
+                        <a:t> </a:t>
+                      </a:r>
+                      <a:r>
+                        <a:rPr lang="en-GB" b="1" i="1" dirty="0"/>
+                        <a:t>[</a:t>
+                      </a:r>
+                      <a:r>
+                        <a:rPr lang="sk-SK" b="0" i="1" dirty="0"/>
+                        <a:t>zapisujeme ich v hranatých zátvorkách</a:t>
+                      </a:r>
+                      <a:r>
+                        <a:rPr lang="en-GB" b="1" i="1" dirty="0"/>
+                        <a:t>]</a:t>
+                      </a:r>
+                      <a:endParaRPr lang="sk-SK" b="1" dirty="0"/>
                     </a:p>
                     <a:p>
                       <a:endParaRPr lang="sk-SK" b="1" dirty="0"/>
@@ -3653,10 +3687,20 @@
                     <a:p>
                       <a:r>
                         <a:rPr lang="sk-SK" b="1" dirty="0"/>
-                        <a:t>Množiny</a:t>
+                        <a:t>Množiny </a:t>
                       </a:r>
-                    </a:p>
-                    <a:p>
+                      <a:r>
+                        <a:rPr lang="en-GB" b="1" dirty="0"/>
+                        <a:t>{</a:t>
+                      </a:r>
+                      <a:r>
+                        <a:rPr lang="sk-SK" b="0" i="1" dirty="0"/>
+                        <a:t>v prvkom sa nedá pristupovať pomocou indexovania, iba zistím či sa tam vyskytuje alebo nie, nezáleží koľko krát bola hodnota pridaná, stále sa vyskytne iba raz</a:t>
+                      </a:r>
+                      <a:r>
+                        <a:rPr lang="en-GB" b="1" i="1" dirty="0"/>
+                        <a:t>}</a:t>
+                      </a:r>
                       <a:endParaRPr lang="sk-SK" b="1" dirty="0"/>
                     </a:p>
                     <a:p>
@@ -3666,8 +3710,13 @@
                       </a:pPr>
                       <a:r>
                         <a:rPr lang="sk-SK" b="0" dirty="0"/>
-                        <a:t>Prvky nie sú usporiadané</a:t>
+                        <a:t>Prvky nie sú usporiadané – </a:t>
                       </a:r>
+                      <a:r>
+                        <a:rPr lang="sk-SK" b="0" i="1" dirty="0"/>
+                        <a:t>v náhodnom poradí, nezáleží v akom poradí bola pridané</a:t>
+                      </a:r>
+                      <a:endParaRPr lang="sk-SK" b="0" dirty="0"/>
                     </a:p>
                     <a:p>
                       <a:pPr marL="342900" indent="-342900">
@@ -3735,7 +3784,7 @@
                   </a:ext>
                 </a:extLst>
               </a:tr>
-              <a:tr h="370840">
+              <a:tr h="3020867">
                 <a:tc>
                   <a:txBody>
                     <a:bodyPr/>
@@ -3748,6 +3797,22 @@
                       <a:r>
                         <a:rPr lang="sk-SK" b="1" dirty="0" err="1"/>
                         <a:t>tice</a:t>
+                      </a:r>
+                      <a:r>
+                        <a:rPr lang="sk-SK" b="1" dirty="0"/>
+                        <a:t> </a:t>
+                      </a:r>
+                      <a:r>
+                        <a:rPr lang="sk-SK" b="1" i="1" dirty="0"/>
+                        <a:t>(</a:t>
+                      </a:r>
+                      <a:r>
+                        <a:rPr lang="sk-SK" b="0" i="1" dirty="0"/>
+                        <a:t>zapisujeme v okrúhlych zátvorkách</a:t>
+                      </a:r>
+                      <a:r>
+                        <a:rPr lang="sk-SK" b="1" i="1" dirty="0"/>
+                        <a:t>)</a:t>
                       </a:r>
                       <a:endParaRPr lang="sk-SK" b="1" dirty="0"/>
                     </a:p>
@@ -3843,9 +3908,6 @@
                         <a:rPr lang="sk-SK" b="1" dirty="0"/>
                         <a:t>Mapy</a:t>
                       </a:r>
-                    </a:p>
-                    <a:p>
-                      <a:endParaRPr lang="sk-SK" b="1" dirty="0"/>
                     </a:p>
                     <a:p>
                       <a:pPr marL="342900" indent="-342900">

--- a/5/presentations/wda4.pptx
+++ b/5/presentations/wda4.pptx
@@ -108,15 +108,6 @@
     </a:lvl9pPr>
   </p:defaultTextStyle>
   <p:extLst>
-    <p:ext uri="{521415D9-36F7-43E2-AB2F-B90AF26B5E84}">
-      <p14:sectionLst xmlns:p14="http://schemas.microsoft.com/office/powerpoint/2010/main">
-        <p14:section name="Predvolená sekcia" id="{A646CE3B-521B-4923-AD6F-171294AE31B4}">
-          <p14:sldIdLst>
-            <p14:sldId id="288"/>
-          </p14:sldIdLst>
-        </p14:section>
-      </p14:sectionLst>
-    </p:ext>
     <p:ext uri="{EFAFB233-063F-42B5-8137-9DF3F51BA10A}">
       <p15:sldGuideLst xmlns:p15="http://schemas.microsoft.com/office/powerpoint/2012/main">
         <p15:guide id="1" orient="horz" pos="2448" userDrawn="1">
@@ -138,14 +129,6 @@
     </p:ext>
   </p:extLst>
 </p:presentation>
-</file>
-
-<file path=ppt/revisionInfo.xml><?xml version="1.0" encoding="utf-8"?>
-<p1510:revInfo xmlns:a="http://schemas.openxmlformats.org/drawingml/2006/main" xmlns:r="http://schemas.openxmlformats.org/officeDocument/2006/relationships" xmlns:p1510="http://schemas.microsoft.com/office/powerpoint/2015/10/main">
-  <p1510:revLst>
-    <p1510:client id="{EE8B3955-8B29-4FA7-9DA3-CEA3DDEAC4B8}" v="3" dt="2019-03-18T18:49:43.221"/>
-  </p1510:revLst>
-</p1510:revInfo>
 </file>
 
 <file path=ppt/notesMasters/notesMaster1.xml><?xml version="1.0" encoding="utf-8"?>
@@ -230,7 +213,7 @@
           <a:p>
             <a:fld id="{7D261E44-C4C0-6344-AB31-495F47CEF0BF}" type="datetimeFigureOut">
               <a:rPr lang="sk-SK" smtClean="0"/>
-              <a:t>18. 3. 2019</a:t>
+              <a:t>14. 3. 2019</a:t>
             </a:fld>
             <a:endParaRPr lang="sk-SK"/>
           </a:p>
@@ -629,7 +612,7 @@
           <a:p>
             <a:fld id="{A066C677-8E45-E141-9716-C86D7EE5D9E8}" type="datetime1">
               <a:rPr lang="sk-SK" smtClean="0"/>
-              <a:t>18. 3. 2019</a:t>
+              <a:t>14. 3. 2019</a:t>
             </a:fld>
             <a:endParaRPr lang="en-US"/>
           </a:p>
@@ -799,7 +782,7 @@
           <a:p>
             <a:fld id="{2F1614C0-FE52-F449-9EB9-A0FF9A2543CD}" type="datetime1">
               <a:rPr lang="sk-SK" smtClean="0"/>
-              <a:t>18. 3. 2019</a:t>
+              <a:t>14. 3. 2019</a:t>
             </a:fld>
             <a:endParaRPr lang="en-US"/>
           </a:p>
@@ -979,7 +962,7 @@
           <a:p>
             <a:fld id="{D00EA2FD-E00D-9848-8434-0267DBC70800}" type="datetime1">
               <a:rPr lang="sk-SK" smtClean="0"/>
-              <a:t>18. 3. 2019</a:t>
+              <a:t>14. 3. 2019</a:t>
             </a:fld>
             <a:endParaRPr lang="en-US"/>
           </a:p>
@@ -1149,7 +1132,7 @@
           <a:p>
             <a:fld id="{EA230261-6B22-9D46-9363-FF39813EB6EC}" type="datetime1">
               <a:rPr lang="sk-SK" smtClean="0"/>
-              <a:t>18. 3. 2019</a:t>
+              <a:t>14. 3. 2019</a:t>
             </a:fld>
             <a:endParaRPr lang="en-US"/>
           </a:p>
@@ -1393,7 +1376,7 @@
           <a:p>
             <a:fld id="{59FB9737-2E3E-7648-A62E-672F14D45174}" type="datetime1">
               <a:rPr lang="sk-SK" smtClean="0"/>
-              <a:t>18. 3. 2019</a:t>
+              <a:t>14. 3. 2019</a:t>
             </a:fld>
             <a:endParaRPr lang="en-US"/>
           </a:p>
@@ -1625,7 +1608,7 @@
           <a:p>
             <a:fld id="{CE392BCD-50BB-5C4E-9FA2-1520C47BA1A9}" type="datetime1">
               <a:rPr lang="sk-SK" smtClean="0"/>
-              <a:t>18. 3. 2019</a:t>
+              <a:t>14. 3. 2019</a:t>
             </a:fld>
             <a:endParaRPr lang="en-US"/>
           </a:p>
@@ -1992,7 +1975,7 @@
           <a:p>
             <a:fld id="{47588235-1A3D-8F40-84C0-D3E6FA642448}" type="datetime1">
               <a:rPr lang="sk-SK" smtClean="0"/>
-              <a:t>18. 3. 2019</a:t>
+              <a:t>14. 3. 2019</a:t>
             </a:fld>
             <a:endParaRPr lang="en-US"/>
           </a:p>
@@ -2110,7 +2093,7 @@
           <a:p>
             <a:fld id="{C41B8640-B450-0C4A-9516-6E2711D4D46C}" type="datetime1">
               <a:rPr lang="sk-SK" smtClean="0"/>
-              <a:t>18. 3. 2019</a:t>
+              <a:t>14. 3. 2019</a:t>
             </a:fld>
             <a:endParaRPr lang="en-US"/>
           </a:p>
@@ -2205,7 +2188,7 @@
           <a:p>
             <a:fld id="{6B0C531D-6297-E049-BA84-34FE8FD92947}" type="datetime1">
               <a:rPr lang="sk-SK" smtClean="0"/>
-              <a:t>18. 3. 2019</a:t>
+              <a:t>14. 3. 2019</a:t>
             </a:fld>
             <a:endParaRPr lang="en-US"/>
           </a:p>
@@ -2482,7 +2465,7 @@
           <a:p>
             <a:fld id="{5410C6F4-3FBB-2D4D-B13A-D6953AE0A3AF}" type="datetime1">
               <a:rPr lang="sk-SK" smtClean="0"/>
-              <a:t>18. 3. 2019</a:t>
+              <a:t>14. 3. 2019</a:t>
             </a:fld>
             <a:endParaRPr lang="en-US"/>
           </a:p>
@@ -2739,7 +2722,7 @@
           <a:p>
             <a:fld id="{637C8A6D-C806-FE45-AB4E-63619D22D102}" type="datetime1">
               <a:rPr lang="sk-SK" smtClean="0"/>
-              <a:t>18. 3. 2019</a:t>
+              <a:t>14. 3. 2019</a:t>
             </a:fld>
             <a:endParaRPr lang="en-US"/>
           </a:p>
@@ -2952,7 +2935,7 @@
           <a:p>
             <a:fld id="{5F80EA03-2C13-2441-AAFA-2B3D759DC539}" type="datetime1">
               <a:rPr lang="sk-SK" smtClean="0"/>
-              <a:t>18. 3. 2019</a:t>
+              <a:t>14. 3. 2019</a:t>
             </a:fld>
             <a:endParaRPr lang="en-US"/>
           </a:p>
@@ -3538,14 +3521,14 @@
           <p:nvPr>
             <p:extLst>
               <p:ext uri="{D42A27DB-BD31-4B8C-83A1-F6EECF244321}">
-                <p14:modId xmlns:p14="http://schemas.microsoft.com/office/powerpoint/2010/main" val="210337889"/>
+                <p14:modId xmlns:p14="http://schemas.microsoft.com/office/powerpoint/2010/main" val="3346184824"/>
               </p:ext>
             </p:extLst>
           </p:nvPr>
         </p:nvGraphicFramePr>
         <p:xfrm>
-          <a:off x="450019" y="1417949"/>
-          <a:ext cx="9310976" cy="6691172"/>
+          <a:off x="450019" y="1891201"/>
+          <a:ext cx="9310976" cy="5312664"/>
         </p:xfrm>
         <a:graphic>
           <a:graphicData uri="http://schemas.openxmlformats.org/drawingml/2006/table">
@@ -3569,7 +3552,7 @@
                   </a:extLst>
                 </a:gridCol>
               </a:tblGrid>
-              <a:tr h="3670305">
+              <a:tr h="370840">
                 <a:tc>
                   <a:txBody>
                     <a:bodyPr/>
@@ -3579,23 +3562,6 @@
                         <a:rPr lang="sk-SK" b="1" dirty="0"/>
                         <a:t>Zoznamy</a:t>
                       </a:r>
-                      <a:r>
-                        <a:rPr lang="en-GB" b="1" dirty="0"/>
-                        <a:t> </a:t>
-                      </a:r>
-                      <a:r>
-                        <a:rPr lang="en-GB" b="1" i="1" dirty="0"/>
-                        <a:t>[</a:t>
-                      </a:r>
-                      <a:r>
-                        <a:rPr lang="sk-SK" b="0" i="1" dirty="0"/>
-                        <a:t>zapisujeme ich v hranatých zátvorkách</a:t>
-                      </a:r>
-                      <a:r>
-                        <a:rPr lang="en-GB" b="1" i="1" dirty="0"/>
-                        <a:t>]</a:t>
-                      </a:r>
-                      <a:endParaRPr lang="sk-SK" b="1" dirty="0"/>
                     </a:p>
                     <a:p>
                       <a:endParaRPr lang="sk-SK" b="1" dirty="0"/>
@@ -3687,20 +3653,10 @@
                     <a:p>
                       <a:r>
                         <a:rPr lang="sk-SK" b="1" dirty="0"/>
-                        <a:t>Množiny </a:t>
+                        <a:t>Množiny</a:t>
                       </a:r>
-                      <a:r>
-                        <a:rPr lang="en-GB" b="1" dirty="0"/>
-                        <a:t>{</a:t>
-                      </a:r>
-                      <a:r>
-                        <a:rPr lang="sk-SK" b="0" i="1" dirty="0"/>
-                        <a:t>v prvkom sa nedá pristupovať pomocou indexovania, iba zistím či sa tam vyskytuje alebo nie, nezáleží koľko krát bola hodnota pridaná, stále sa vyskytne iba raz</a:t>
-                      </a:r>
-                      <a:r>
-                        <a:rPr lang="en-GB" b="1" i="1" dirty="0"/>
-                        <a:t>}</a:t>
-                      </a:r>
+                    </a:p>
+                    <a:p>
                       <a:endParaRPr lang="sk-SK" b="1" dirty="0"/>
                     </a:p>
                     <a:p>
@@ -3710,13 +3666,8 @@
                       </a:pPr>
                       <a:r>
                         <a:rPr lang="sk-SK" b="0" dirty="0"/>
-                        <a:t>Prvky nie sú usporiadané – </a:t>
+                        <a:t>Prvky nie sú usporiadané</a:t>
                       </a:r>
-                      <a:r>
-                        <a:rPr lang="sk-SK" b="0" i="1" dirty="0"/>
-                        <a:t>v náhodnom poradí, nezáleží v akom poradí bola pridané</a:t>
-                      </a:r>
-                      <a:endParaRPr lang="sk-SK" b="0" dirty="0"/>
                     </a:p>
                     <a:p>
                       <a:pPr marL="342900" indent="-342900">
@@ -3784,7 +3735,7 @@
                   </a:ext>
                 </a:extLst>
               </a:tr>
-              <a:tr h="3020867">
+              <a:tr h="370840">
                 <a:tc>
                   <a:txBody>
                     <a:bodyPr/>
@@ -3797,22 +3748,6 @@
                       <a:r>
                         <a:rPr lang="sk-SK" b="1" dirty="0" err="1"/>
                         <a:t>tice</a:t>
-                      </a:r>
-                      <a:r>
-                        <a:rPr lang="sk-SK" b="1" dirty="0"/>
-                        <a:t> </a:t>
-                      </a:r>
-                      <a:r>
-                        <a:rPr lang="sk-SK" b="1" i="1" dirty="0"/>
-                        <a:t>(</a:t>
-                      </a:r>
-                      <a:r>
-                        <a:rPr lang="sk-SK" b="0" i="1" dirty="0"/>
-                        <a:t>zapisujeme v okrúhlych zátvorkách</a:t>
-                      </a:r>
-                      <a:r>
-                        <a:rPr lang="sk-SK" b="1" i="1" dirty="0"/>
-                        <a:t>)</a:t>
                       </a:r>
                       <a:endParaRPr lang="sk-SK" b="1" dirty="0"/>
                     </a:p>
@@ -3908,6 +3843,9 @@
                         <a:rPr lang="sk-SK" b="1" dirty="0"/>
                         <a:t>Mapy</a:t>
                       </a:r>
+                    </a:p>
+                    <a:p>
+                      <a:endParaRPr lang="sk-SK" b="1" dirty="0"/>
                     </a:p>
                     <a:p>
                       <a:pPr marL="342900" indent="-342900">
